--- a/Doxygen/figures.pptx
+++ b/Doxygen/figures.pptx
@@ -9,6 +9,7 @@
     <p:sldId id="258" r:id="rId3"/>
     <p:sldId id="259" r:id="rId4"/>
     <p:sldId id="260" r:id="rId5"/>
+    <p:sldId id="261" r:id="rId6"/>
   </p:sldIdLst>
   <p:sldSz cx="9144000" cy="6858000" type="screen4x3"/>
   <p:notesSz cx="6858000" cy="9144000"/>
@@ -107,6 +108,11 @@
       </a:defRPr>
     </a:lvl9pPr>
   </p:defaultTextStyle>
+  <p:extLst>
+    <p:ext uri="{EFAFB233-063F-42B5-8137-9DF3F51BA10A}">
+      <p15:sldGuideLst xmlns:p15="http://schemas.microsoft.com/office/powerpoint/2012/main"/>
+    </p:ext>
+  </p:extLst>
 </p:presentation>
 </file>
 
@@ -241,7 +247,7 @@
           <a:p>
             <a:fld id="{E2FD1D48-72E7-4167-A02C-4FE625C83E34}" type="datetimeFigureOut">
               <a:rPr lang="en-US" smtClean="0"/>
-              <a:t>5/19/2022</a:t>
+              <a:t>5/24/2022</a:t>
             </a:fld>
             <a:endParaRPr lang="en-US"/>
           </a:p>
@@ -411,7 +417,7 @@
           <a:p>
             <a:fld id="{E2FD1D48-72E7-4167-A02C-4FE625C83E34}" type="datetimeFigureOut">
               <a:rPr lang="en-US" smtClean="0"/>
-              <a:t>5/19/2022</a:t>
+              <a:t>5/24/2022</a:t>
             </a:fld>
             <a:endParaRPr lang="en-US"/>
           </a:p>
@@ -591,7 +597,7 @@
           <a:p>
             <a:fld id="{E2FD1D48-72E7-4167-A02C-4FE625C83E34}" type="datetimeFigureOut">
               <a:rPr lang="en-US" smtClean="0"/>
-              <a:t>5/19/2022</a:t>
+              <a:t>5/24/2022</a:t>
             </a:fld>
             <a:endParaRPr lang="en-US"/>
           </a:p>
@@ -761,7 +767,7 @@
           <a:p>
             <a:fld id="{E2FD1D48-72E7-4167-A02C-4FE625C83E34}" type="datetimeFigureOut">
               <a:rPr lang="en-US" smtClean="0"/>
-              <a:t>5/19/2022</a:t>
+              <a:t>5/24/2022</a:t>
             </a:fld>
             <a:endParaRPr lang="en-US"/>
           </a:p>
@@ -1005,7 +1011,7 @@
           <a:p>
             <a:fld id="{E2FD1D48-72E7-4167-A02C-4FE625C83E34}" type="datetimeFigureOut">
               <a:rPr lang="en-US" smtClean="0"/>
-              <a:t>5/19/2022</a:t>
+              <a:t>5/24/2022</a:t>
             </a:fld>
             <a:endParaRPr lang="en-US"/>
           </a:p>
@@ -1237,7 +1243,7 @@
           <a:p>
             <a:fld id="{E2FD1D48-72E7-4167-A02C-4FE625C83E34}" type="datetimeFigureOut">
               <a:rPr lang="en-US" smtClean="0"/>
-              <a:t>5/19/2022</a:t>
+              <a:t>5/24/2022</a:t>
             </a:fld>
             <a:endParaRPr lang="en-US"/>
           </a:p>
@@ -1604,7 +1610,7 @@
           <a:p>
             <a:fld id="{E2FD1D48-72E7-4167-A02C-4FE625C83E34}" type="datetimeFigureOut">
               <a:rPr lang="en-US" smtClean="0"/>
-              <a:t>5/19/2022</a:t>
+              <a:t>5/24/2022</a:t>
             </a:fld>
             <a:endParaRPr lang="en-US"/>
           </a:p>
@@ -1722,7 +1728,7 @@
           <a:p>
             <a:fld id="{E2FD1D48-72E7-4167-A02C-4FE625C83E34}" type="datetimeFigureOut">
               <a:rPr lang="en-US" smtClean="0"/>
-              <a:t>5/19/2022</a:t>
+              <a:t>5/24/2022</a:t>
             </a:fld>
             <a:endParaRPr lang="en-US"/>
           </a:p>
@@ -1817,7 +1823,7 @@
           <a:p>
             <a:fld id="{E2FD1D48-72E7-4167-A02C-4FE625C83E34}" type="datetimeFigureOut">
               <a:rPr lang="en-US" smtClean="0"/>
-              <a:t>5/19/2022</a:t>
+              <a:t>5/24/2022</a:t>
             </a:fld>
             <a:endParaRPr lang="en-US"/>
           </a:p>
@@ -2094,7 +2100,7 @@
           <a:p>
             <a:fld id="{E2FD1D48-72E7-4167-A02C-4FE625C83E34}" type="datetimeFigureOut">
               <a:rPr lang="en-US" smtClean="0"/>
-              <a:t>5/19/2022</a:t>
+              <a:t>5/24/2022</a:t>
             </a:fld>
             <a:endParaRPr lang="en-US"/>
           </a:p>
@@ -2351,7 +2357,7 @@
           <a:p>
             <a:fld id="{E2FD1D48-72E7-4167-A02C-4FE625C83E34}" type="datetimeFigureOut">
               <a:rPr lang="en-US" smtClean="0"/>
-              <a:t>5/19/2022</a:t>
+              <a:t>5/24/2022</a:t>
             </a:fld>
             <a:endParaRPr lang="en-US"/>
           </a:p>
@@ -2564,7 +2570,7 @@
           <a:p>
             <a:fld id="{E2FD1D48-72E7-4167-A02C-4FE625C83E34}" type="datetimeFigureOut">
               <a:rPr lang="en-US" smtClean="0"/>
-              <a:t>5/19/2022</a:t>
+              <a:t>5/24/2022</a:t>
             </a:fld>
             <a:endParaRPr lang="en-US"/>
           </a:p>
@@ -5637,6 +5643,1118 @@
 </p:sld>
 </file>
 
+<file path=ppt/slides/slide5.xml><?xml version="1.0" encoding="utf-8"?>
+<p:sld xmlns:a="http://schemas.openxmlformats.org/drawingml/2006/main" xmlns:r="http://schemas.openxmlformats.org/officeDocument/2006/relationships" xmlns:p="http://schemas.openxmlformats.org/presentationml/2006/main">
+  <p:cSld>
+    <p:spTree>
+      <p:nvGrpSpPr>
+        <p:cNvPr id="1" name=""/>
+        <p:cNvGrpSpPr/>
+        <p:nvPr/>
+      </p:nvGrpSpPr>
+      <p:grpSpPr>
+        <a:xfrm>
+          <a:off x="0" y="0"/>
+          <a:ext cx="0" cy="0"/>
+          <a:chOff x="0" y="0"/>
+          <a:chExt cx="0" cy="0"/>
+        </a:xfrm>
+      </p:grpSpPr>
+      <p:cxnSp>
+        <p:nvCxnSpPr>
+          <p:cNvPr id="47" name="Connector: Elbow 46">
+            <a:extLst>
+              <a:ext uri="{FF2B5EF4-FFF2-40B4-BE49-F238E27FC236}">
+                <a16:creationId xmlns:a16="http://schemas.microsoft.com/office/drawing/2014/main" id="{8B25F40D-F4E0-4209-8694-E5AB9A6734BE}"/>
+              </a:ext>
+            </a:extLst>
+          </p:cNvPr>
+          <p:cNvCxnSpPr>
+            <a:cxnSpLocks/>
+            <a:endCxn id="10" idx="2"/>
+          </p:cNvCxnSpPr>
+          <p:nvPr/>
+        </p:nvCxnSpPr>
+        <p:spPr>
+          <a:xfrm rot="10800000">
+            <a:off x="5145643" y="4640581"/>
+            <a:ext cx="1207342" cy="466729"/>
+          </a:xfrm>
+          <a:prstGeom prst="bentConnector2">
+            <a:avLst/>
+          </a:prstGeom>
+          <a:ln w="31750">
+            <a:solidFill>
+              <a:srgbClr val="7030A0"/>
+            </a:solidFill>
+            <a:headEnd type="arrow" w="med" len="lg"/>
+            <a:tailEnd type="none" w="med" len="lg"/>
+          </a:ln>
+        </p:spPr>
+        <p:style>
+          <a:lnRef idx="1">
+            <a:schemeClr val="accent1"/>
+          </a:lnRef>
+          <a:fillRef idx="0">
+            <a:schemeClr val="accent1"/>
+          </a:fillRef>
+          <a:effectRef idx="0">
+            <a:schemeClr val="accent1"/>
+          </a:effectRef>
+          <a:fontRef idx="minor">
+            <a:schemeClr val="tx1"/>
+          </a:fontRef>
+        </p:style>
+      </p:cxnSp>
+      <p:cxnSp>
+        <p:nvCxnSpPr>
+          <p:cNvPr id="27" name="Connector: Elbow 26">
+            <a:extLst>
+              <a:ext uri="{FF2B5EF4-FFF2-40B4-BE49-F238E27FC236}">
+                <a16:creationId xmlns:a16="http://schemas.microsoft.com/office/drawing/2014/main" id="{6C0225DA-49BD-4E74-A8B8-8B4005BAA208}"/>
+              </a:ext>
+            </a:extLst>
+          </p:cNvPr>
+          <p:cNvCxnSpPr>
+            <a:cxnSpLocks/>
+          </p:cNvCxnSpPr>
+          <p:nvPr/>
+        </p:nvCxnSpPr>
+        <p:spPr>
+          <a:xfrm flipV="1">
+            <a:off x="2435043" y="4655344"/>
+            <a:ext cx="1388625" cy="347663"/>
+          </a:xfrm>
+          <a:prstGeom prst="bentConnector2">
+            <a:avLst/>
+          </a:prstGeom>
+          <a:ln w="31750">
+            <a:solidFill>
+              <a:schemeClr val="accent4"/>
+            </a:solidFill>
+            <a:tailEnd type="arrow" w="med" len="lg"/>
+          </a:ln>
+        </p:spPr>
+        <p:style>
+          <a:lnRef idx="1">
+            <a:schemeClr val="accent1"/>
+          </a:lnRef>
+          <a:fillRef idx="0">
+            <a:schemeClr val="accent1"/>
+          </a:fillRef>
+          <a:effectRef idx="0">
+            <a:schemeClr val="accent1"/>
+          </a:effectRef>
+          <a:fontRef idx="minor">
+            <a:schemeClr val="tx1"/>
+          </a:fontRef>
+        </p:style>
+      </p:cxnSp>
+      <p:cxnSp>
+        <p:nvCxnSpPr>
+          <p:cNvPr id="28" name="Connector: Elbow 27">
+            <a:extLst>
+              <a:ext uri="{FF2B5EF4-FFF2-40B4-BE49-F238E27FC236}">
+                <a16:creationId xmlns:a16="http://schemas.microsoft.com/office/drawing/2014/main" id="{43BFD0A3-7359-43B2-9E81-88D97FCFEFA0}"/>
+              </a:ext>
+            </a:extLst>
+          </p:cNvPr>
+          <p:cNvCxnSpPr>
+            <a:cxnSpLocks/>
+            <a:endCxn id="7" idx="2"/>
+          </p:cNvCxnSpPr>
+          <p:nvPr/>
+        </p:nvCxnSpPr>
+        <p:spPr>
+          <a:xfrm flipV="1">
+            <a:off x="2680010" y="4640580"/>
+            <a:ext cx="1325011" cy="478156"/>
+          </a:xfrm>
+          <a:prstGeom prst="bentConnector2">
+            <a:avLst/>
+          </a:prstGeom>
+          <a:ln w="31750">
+            <a:solidFill>
+              <a:schemeClr val="accent6"/>
+            </a:solidFill>
+            <a:tailEnd type="arrow" w="med" len="lg"/>
+          </a:ln>
+        </p:spPr>
+        <p:style>
+          <a:lnRef idx="1">
+            <a:schemeClr val="accent1"/>
+          </a:lnRef>
+          <a:fillRef idx="0">
+            <a:schemeClr val="accent1"/>
+          </a:fillRef>
+          <a:effectRef idx="0">
+            <a:schemeClr val="accent1"/>
+          </a:effectRef>
+          <a:fontRef idx="minor">
+            <a:schemeClr val="tx1"/>
+          </a:fontRef>
+        </p:style>
+      </p:cxnSp>
+      <p:sp>
+        <p:nvSpPr>
+          <p:cNvPr id="2" name="Rectangle 1">
+            <a:extLst>
+              <a:ext uri="{FF2B5EF4-FFF2-40B4-BE49-F238E27FC236}">
+                <a16:creationId xmlns:a16="http://schemas.microsoft.com/office/drawing/2014/main" id="{E8FF3079-6246-4DD3-9607-D20C0A20519B}"/>
+              </a:ext>
+            </a:extLst>
+          </p:cNvPr>
+          <p:cNvSpPr/>
+          <p:nvPr/>
+        </p:nvSpPr>
+        <p:spPr>
+          <a:xfrm>
+            <a:off x="3431377" y="1600200"/>
+            <a:ext cx="2294575" cy="3040380"/>
+          </a:xfrm>
+          <a:prstGeom prst="rect">
+            <a:avLst/>
+          </a:prstGeom>
+          <a:noFill/>
+          <a:ln w="25400">
+            <a:solidFill>
+              <a:schemeClr val="tx1"/>
+            </a:solidFill>
+          </a:ln>
+        </p:spPr>
+        <p:style>
+          <a:lnRef idx="2">
+            <a:schemeClr val="accent1">
+              <a:shade val="50000"/>
+            </a:schemeClr>
+          </a:lnRef>
+          <a:fillRef idx="1">
+            <a:schemeClr val="accent1"/>
+          </a:fillRef>
+          <a:effectRef idx="0">
+            <a:schemeClr val="accent1"/>
+          </a:effectRef>
+          <a:fontRef idx="minor">
+            <a:schemeClr val="lt1"/>
+          </a:fontRef>
+        </p:style>
+        <p:txBody>
+          <a:bodyPr rtlCol="0" anchor="t"/>
+          <a:lstStyle/>
+          <a:p>
+            <a:pPr algn="ctr"/>
+            <a:r>
+              <a:rPr lang="en-US" sz="2000" dirty="0">
+                <a:solidFill>
+                  <a:schemeClr val="tx1"/>
+                </a:solidFill>
+              </a:rPr>
+              <a:t>Thread Safe Queue</a:t>
+            </a:r>
+          </a:p>
+        </p:txBody>
+      </p:sp>
+      <p:grpSp>
+        <p:nvGrpSpPr>
+          <p:cNvPr id="9" name="Group 8">
+            <a:extLst>
+              <a:ext uri="{FF2B5EF4-FFF2-40B4-BE49-F238E27FC236}">
+                <a16:creationId xmlns:a16="http://schemas.microsoft.com/office/drawing/2014/main" id="{39AF4BEC-4A7C-4937-AAEF-7D6DD4858747}"/>
+              </a:ext>
+            </a:extLst>
+          </p:cNvPr>
+          <p:cNvGrpSpPr/>
+          <p:nvPr/>
+        </p:nvGrpSpPr>
+        <p:grpSpPr>
+          <a:xfrm>
+            <a:off x="3771899" y="2078355"/>
+            <a:ext cx="1600200" cy="853440"/>
+            <a:chOff x="3687126" y="2106930"/>
+            <a:chExt cx="1600200" cy="853440"/>
+          </a:xfrm>
+        </p:grpSpPr>
+        <p:sp>
+          <p:nvSpPr>
+            <p:cNvPr id="3" name="Rectangle 2">
+              <a:extLst>
+                <a:ext uri="{FF2B5EF4-FFF2-40B4-BE49-F238E27FC236}">
+                  <a16:creationId xmlns:a16="http://schemas.microsoft.com/office/drawing/2014/main" id="{1EC53C14-A96E-4AA8-A81C-77534432036F}"/>
+                </a:ext>
+              </a:extLst>
+            </p:cNvPr>
+            <p:cNvSpPr/>
+            <p:nvPr/>
+          </p:nvSpPr>
+          <p:spPr>
+            <a:xfrm>
+              <a:off x="3687126" y="2106930"/>
+              <a:ext cx="1600200" cy="853440"/>
+            </a:xfrm>
+            <a:prstGeom prst="rect">
+              <a:avLst/>
+            </a:prstGeom>
+            <a:solidFill>
+              <a:schemeClr val="bg1"/>
+            </a:solidFill>
+            <a:ln w="25400">
+              <a:solidFill>
+                <a:schemeClr val="tx1"/>
+              </a:solidFill>
+            </a:ln>
+          </p:spPr>
+          <p:style>
+            <a:lnRef idx="2">
+              <a:schemeClr val="accent1">
+                <a:shade val="50000"/>
+              </a:schemeClr>
+            </a:lnRef>
+            <a:fillRef idx="1">
+              <a:schemeClr val="accent1"/>
+            </a:fillRef>
+            <a:effectRef idx="0">
+              <a:schemeClr val="accent1"/>
+            </a:effectRef>
+            <a:fontRef idx="minor">
+              <a:schemeClr val="lt1"/>
+            </a:fontRef>
+          </p:style>
+          <p:txBody>
+            <a:bodyPr rtlCol="0" anchor="t"/>
+            <a:lstStyle/>
+            <a:p>
+              <a:pPr algn="ctr"/>
+              <a:r>
+                <a:rPr lang="en-US" dirty="0">
+                  <a:solidFill>
+                    <a:schemeClr val="tx1"/>
+                  </a:solidFill>
+                  <a:latin typeface="Consolas" panose="020B0609020204030204" pitchFamily="49" charset="0"/>
+                </a:rPr>
+                <a:t>std::queue</a:t>
+              </a:r>
+            </a:p>
+          </p:txBody>
+        </p:sp>
+        <p:sp>
+          <p:nvSpPr>
+            <p:cNvPr id="4" name="Rectangle 3">
+              <a:extLst>
+                <a:ext uri="{FF2B5EF4-FFF2-40B4-BE49-F238E27FC236}">
+                  <a16:creationId xmlns:a16="http://schemas.microsoft.com/office/drawing/2014/main" id="{65442669-AC26-472B-B23F-E87122433B5A}"/>
+                </a:ext>
+              </a:extLst>
+            </p:cNvPr>
+            <p:cNvSpPr/>
+            <p:nvPr/>
+          </p:nvSpPr>
+          <p:spPr>
+            <a:xfrm>
+              <a:off x="3687126" y="2506980"/>
+              <a:ext cx="806766" cy="453390"/>
+            </a:xfrm>
+            <a:prstGeom prst="rect">
+              <a:avLst/>
+            </a:prstGeom>
+            <a:solidFill>
+              <a:schemeClr val="bg1"/>
+            </a:solidFill>
+            <a:ln w="25400">
+              <a:solidFill>
+                <a:schemeClr val="tx1"/>
+              </a:solidFill>
+            </a:ln>
+          </p:spPr>
+          <p:style>
+            <a:lnRef idx="2">
+              <a:schemeClr val="accent1">
+                <a:shade val="50000"/>
+              </a:schemeClr>
+            </a:lnRef>
+            <a:fillRef idx="1">
+              <a:schemeClr val="accent1"/>
+            </a:fillRef>
+            <a:effectRef idx="0">
+              <a:schemeClr val="accent1"/>
+            </a:effectRef>
+            <a:fontRef idx="minor">
+              <a:schemeClr val="lt1"/>
+            </a:fontRef>
+          </p:style>
+          <p:txBody>
+            <a:bodyPr rtlCol="0" anchor="ctr"/>
+            <a:lstStyle/>
+            <a:p>
+              <a:pPr algn="ctr"/>
+              <a:r>
+                <a:rPr lang="en-US" dirty="0">
+                  <a:solidFill>
+                    <a:schemeClr val="tx1"/>
+                  </a:solidFill>
+                  <a:latin typeface="Consolas" panose="020B0609020204030204" pitchFamily="49" charset="0"/>
+                </a:rPr>
+                <a:t>push</a:t>
+              </a:r>
+            </a:p>
+          </p:txBody>
+        </p:sp>
+        <p:sp>
+          <p:nvSpPr>
+            <p:cNvPr id="5" name="Rectangle 4">
+              <a:extLst>
+                <a:ext uri="{FF2B5EF4-FFF2-40B4-BE49-F238E27FC236}">
+                  <a16:creationId xmlns:a16="http://schemas.microsoft.com/office/drawing/2014/main" id="{17FAD6F6-EAA5-408F-8615-E7D991C40048}"/>
+                </a:ext>
+              </a:extLst>
+            </p:cNvPr>
+            <p:cNvSpPr/>
+            <p:nvPr/>
+          </p:nvSpPr>
+          <p:spPr>
+            <a:xfrm>
+              <a:off x="4493892" y="2506980"/>
+              <a:ext cx="793434" cy="453390"/>
+            </a:xfrm>
+            <a:prstGeom prst="rect">
+              <a:avLst/>
+            </a:prstGeom>
+            <a:solidFill>
+              <a:schemeClr val="bg1"/>
+            </a:solidFill>
+            <a:ln w="25400">
+              <a:solidFill>
+                <a:schemeClr val="tx1"/>
+              </a:solidFill>
+            </a:ln>
+          </p:spPr>
+          <p:style>
+            <a:lnRef idx="2">
+              <a:schemeClr val="accent1">
+                <a:shade val="50000"/>
+              </a:schemeClr>
+            </a:lnRef>
+            <a:fillRef idx="1">
+              <a:schemeClr val="accent1"/>
+            </a:fillRef>
+            <a:effectRef idx="0">
+              <a:schemeClr val="accent1"/>
+            </a:effectRef>
+            <a:fontRef idx="minor">
+              <a:schemeClr val="lt1"/>
+            </a:fontRef>
+          </p:style>
+          <p:txBody>
+            <a:bodyPr rtlCol="0" anchor="ctr"/>
+            <a:lstStyle/>
+            <a:p>
+              <a:pPr algn="ctr"/>
+              <a:r>
+                <a:rPr lang="en-US" dirty="0">
+                  <a:solidFill>
+                    <a:schemeClr val="tx1"/>
+                  </a:solidFill>
+                  <a:latin typeface="Consolas" panose="020B0609020204030204" pitchFamily="49" charset="0"/>
+                </a:rPr>
+                <a:t>pop</a:t>
+              </a:r>
+            </a:p>
+          </p:txBody>
+        </p:sp>
+      </p:grpSp>
+      <p:cxnSp>
+        <p:nvCxnSpPr>
+          <p:cNvPr id="11" name="Connector: Elbow 10">
+            <a:extLst>
+              <a:ext uri="{FF2B5EF4-FFF2-40B4-BE49-F238E27FC236}">
+                <a16:creationId xmlns:a16="http://schemas.microsoft.com/office/drawing/2014/main" id="{05C5BEF3-2817-4463-B7E2-995FB0859D41}"/>
+              </a:ext>
+            </a:extLst>
+          </p:cNvPr>
+          <p:cNvCxnSpPr>
+            <a:cxnSpLocks/>
+          </p:cNvCxnSpPr>
+          <p:nvPr/>
+        </p:nvCxnSpPr>
+        <p:spPr>
+          <a:xfrm flipV="1">
+            <a:off x="2807690" y="4640580"/>
+            <a:ext cx="1388625" cy="617220"/>
+          </a:xfrm>
+          <a:prstGeom prst="bentConnector2">
+            <a:avLst/>
+          </a:prstGeom>
+          <a:ln w="31750">
+            <a:tailEnd type="arrow" w="med" len="lg"/>
+          </a:ln>
+        </p:spPr>
+        <p:style>
+          <a:lnRef idx="1">
+            <a:schemeClr val="accent1"/>
+          </a:lnRef>
+          <a:fillRef idx="0">
+            <a:schemeClr val="accent1"/>
+          </a:fillRef>
+          <a:effectRef idx="0">
+            <a:schemeClr val="accent1"/>
+          </a:effectRef>
+          <a:fontRef idx="minor">
+            <a:schemeClr val="tx1"/>
+          </a:fontRef>
+        </p:style>
+      </p:cxnSp>
+      <p:cxnSp>
+        <p:nvCxnSpPr>
+          <p:cNvPr id="14" name="Connector: Elbow 13">
+            <a:extLst>
+              <a:ext uri="{FF2B5EF4-FFF2-40B4-BE49-F238E27FC236}">
+                <a16:creationId xmlns:a16="http://schemas.microsoft.com/office/drawing/2014/main" id="{3C672660-001A-48A1-96FE-C0B4C2FD5156}"/>
+              </a:ext>
+            </a:extLst>
+          </p:cNvPr>
+          <p:cNvCxnSpPr>
+            <a:cxnSpLocks/>
+          </p:cNvCxnSpPr>
+          <p:nvPr/>
+        </p:nvCxnSpPr>
+        <p:spPr>
+          <a:xfrm rot="10800000">
+            <a:off x="4989874" y="4651058"/>
+            <a:ext cx="1331357" cy="617220"/>
+          </a:xfrm>
+          <a:prstGeom prst="bentConnector2">
+            <a:avLst/>
+          </a:prstGeom>
+          <a:ln w="31750">
+            <a:solidFill>
+              <a:schemeClr val="accent2"/>
+            </a:solidFill>
+            <a:headEnd type="arrow" w="med" len="lg"/>
+            <a:tailEnd type="none" w="med" len="lg"/>
+          </a:ln>
+        </p:spPr>
+        <p:style>
+          <a:lnRef idx="1">
+            <a:schemeClr val="accent1"/>
+          </a:lnRef>
+          <a:fillRef idx="0">
+            <a:schemeClr val="accent1"/>
+          </a:fillRef>
+          <a:effectRef idx="0">
+            <a:schemeClr val="accent1"/>
+          </a:effectRef>
+          <a:fontRef idx="minor">
+            <a:schemeClr val="tx1"/>
+          </a:fontRef>
+        </p:style>
+      </p:cxnSp>
+      <p:cxnSp>
+        <p:nvCxnSpPr>
+          <p:cNvPr id="36" name="Straight Arrow Connector 35">
+            <a:extLst>
+              <a:ext uri="{FF2B5EF4-FFF2-40B4-BE49-F238E27FC236}">
+                <a16:creationId xmlns:a16="http://schemas.microsoft.com/office/drawing/2014/main" id="{EA145D98-B029-48CB-A8B4-67F7DFBD2F08}"/>
+              </a:ext>
+            </a:extLst>
+          </p:cNvPr>
+          <p:cNvCxnSpPr>
+            <a:cxnSpLocks/>
+          </p:cNvCxnSpPr>
+          <p:nvPr/>
+        </p:nvCxnSpPr>
+        <p:spPr>
+          <a:xfrm flipV="1">
+            <a:off x="4196315" y="3785233"/>
+            <a:ext cx="0" cy="420053"/>
+          </a:xfrm>
+          <a:prstGeom prst="straightConnector1">
+            <a:avLst/>
+          </a:prstGeom>
+          <a:ln w="31750">
+            <a:tailEnd type="arrow" w="med" len="lg"/>
+          </a:ln>
+          <a:effectLst/>
+        </p:spPr>
+        <p:style>
+          <a:lnRef idx="1">
+            <a:schemeClr val="accent1"/>
+          </a:lnRef>
+          <a:fillRef idx="0">
+            <a:schemeClr val="accent1"/>
+          </a:fillRef>
+          <a:effectRef idx="0">
+            <a:schemeClr val="accent1"/>
+          </a:effectRef>
+          <a:fontRef idx="minor">
+            <a:schemeClr val="tx1"/>
+          </a:fontRef>
+        </p:style>
+      </p:cxnSp>
+      <p:cxnSp>
+        <p:nvCxnSpPr>
+          <p:cNvPr id="43" name="Straight Arrow Connector 42">
+            <a:extLst>
+              <a:ext uri="{FF2B5EF4-FFF2-40B4-BE49-F238E27FC236}">
+                <a16:creationId xmlns:a16="http://schemas.microsoft.com/office/drawing/2014/main" id="{576935D0-5DE9-4E0E-93F7-1B44870A09DE}"/>
+              </a:ext>
+            </a:extLst>
+          </p:cNvPr>
+          <p:cNvCxnSpPr>
+            <a:cxnSpLocks/>
+          </p:cNvCxnSpPr>
+          <p:nvPr/>
+        </p:nvCxnSpPr>
+        <p:spPr>
+          <a:xfrm flipV="1">
+            <a:off x="4249925" y="2931793"/>
+            <a:ext cx="0" cy="420053"/>
+          </a:xfrm>
+          <a:prstGeom prst="straightConnector1">
+            <a:avLst/>
+          </a:prstGeom>
+          <a:ln w="31750">
+            <a:tailEnd type="arrow" w="med" len="lg"/>
+          </a:ln>
+          <a:effectLst/>
+        </p:spPr>
+        <p:style>
+          <a:lnRef idx="1">
+            <a:schemeClr val="accent1"/>
+          </a:lnRef>
+          <a:fillRef idx="0">
+            <a:schemeClr val="accent1"/>
+          </a:fillRef>
+          <a:effectRef idx="0">
+            <a:schemeClr val="accent1"/>
+          </a:effectRef>
+          <a:fontRef idx="minor">
+            <a:schemeClr val="tx1"/>
+          </a:fontRef>
+        </p:style>
+      </p:cxnSp>
+      <p:cxnSp>
+        <p:nvCxnSpPr>
+          <p:cNvPr id="44" name="Straight Arrow Connector 43">
+            <a:extLst>
+              <a:ext uri="{FF2B5EF4-FFF2-40B4-BE49-F238E27FC236}">
+                <a16:creationId xmlns:a16="http://schemas.microsoft.com/office/drawing/2014/main" id="{6DEA808C-DC0D-42CE-ABA7-D84E3165C70A}"/>
+              </a:ext>
+            </a:extLst>
+          </p:cNvPr>
+          <p:cNvCxnSpPr>
+            <a:cxnSpLocks/>
+          </p:cNvCxnSpPr>
+          <p:nvPr/>
+        </p:nvCxnSpPr>
+        <p:spPr>
+          <a:xfrm flipV="1">
+            <a:off x="4974634" y="3785233"/>
+            <a:ext cx="0" cy="420053"/>
+          </a:xfrm>
+          <a:prstGeom prst="straightConnector1">
+            <a:avLst/>
+          </a:prstGeom>
+          <a:ln w="31750">
+            <a:solidFill>
+              <a:schemeClr val="accent2"/>
+            </a:solidFill>
+            <a:headEnd type="arrow" w="med" len="lg"/>
+            <a:tailEnd type="none" w="med" len="lg"/>
+          </a:ln>
+          <a:effectLst/>
+        </p:spPr>
+        <p:style>
+          <a:lnRef idx="1">
+            <a:schemeClr val="accent1"/>
+          </a:lnRef>
+          <a:fillRef idx="0">
+            <a:schemeClr val="accent1"/>
+          </a:fillRef>
+          <a:effectRef idx="0">
+            <a:schemeClr val="accent1"/>
+          </a:effectRef>
+          <a:fontRef idx="minor">
+            <a:schemeClr val="tx1"/>
+          </a:fontRef>
+        </p:style>
+      </p:cxnSp>
+      <p:cxnSp>
+        <p:nvCxnSpPr>
+          <p:cNvPr id="45" name="Straight Arrow Connector 44">
+            <a:extLst>
+              <a:ext uri="{FF2B5EF4-FFF2-40B4-BE49-F238E27FC236}">
+                <a16:creationId xmlns:a16="http://schemas.microsoft.com/office/drawing/2014/main" id="{C3858860-B915-450F-9581-76D261415CB6}"/>
+              </a:ext>
+            </a:extLst>
+          </p:cNvPr>
+          <p:cNvCxnSpPr>
+            <a:cxnSpLocks/>
+          </p:cNvCxnSpPr>
+          <p:nvPr/>
+        </p:nvCxnSpPr>
+        <p:spPr>
+          <a:xfrm flipV="1">
+            <a:off x="4005021" y="3785233"/>
+            <a:ext cx="0" cy="420053"/>
+          </a:xfrm>
+          <a:prstGeom prst="straightConnector1">
+            <a:avLst/>
+          </a:prstGeom>
+          <a:ln w="31750">
+            <a:solidFill>
+              <a:schemeClr val="accent6"/>
+            </a:solidFill>
+            <a:tailEnd type="arrow" w="med" len="lg"/>
+          </a:ln>
+          <a:effectLst/>
+        </p:spPr>
+        <p:style>
+          <a:lnRef idx="1">
+            <a:schemeClr val="accent1"/>
+          </a:lnRef>
+          <a:fillRef idx="0">
+            <a:schemeClr val="accent1"/>
+          </a:fillRef>
+          <a:effectRef idx="0">
+            <a:schemeClr val="accent1"/>
+          </a:effectRef>
+          <a:fontRef idx="minor">
+            <a:schemeClr val="tx1"/>
+          </a:fontRef>
+        </p:style>
+      </p:cxnSp>
+      <p:cxnSp>
+        <p:nvCxnSpPr>
+          <p:cNvPr id="46" name="Straight Arrow Connector 45">
+            <a:extLst>
+              <a:ext uri="{FF2B5EF4-FFF2-40B4-BE49-F238E27FC236}">
+                <a16:creationId xmlns:a16="http://schemas.microsoft.com/office/drawing/2014/main" id="{AA53BD00-EF6D-40B3-B898-A245C0283C1B}"/>
+              </a:ext>
+            </a:extLst>
+          </p:cNvPr>
+          <p:cNvCxnSpPr>
+            <a:cxnSpLocks/>
+          </p:cNvCxnSpPr>
+          <p:nvPr/>
+        </p:nvCxnSpPr>
+        <p:spPr>
+          <a:xfrm flipV="1">
+            <a:off x="3824128" y="3785233"/>
+            <a:ext cx="0" cy="420053"/>
+          </a:xfrm>
+          <a:prstGeom prst="straightConnector1">
+            <a:avLst/>
+          </a:prstGeom>
+          <a:ln w="31750">
+            <a:solidFill>
+              <a:schemeClr val="accent4"/>
+            </a:solidFill>
+            <a:tailEnd type="arrow" w="med" len="lg"/>
+          </a:ln>
+          <a:effectLst/>
+        </p:spPr>
+        <p:style>
+          <a:lnRef idx="1">
+            <a:schemeClr val="accent1"/>
+          </a:lnRef>
+          <a:fillRef idx="0">
+            <a:schemeClr val="accent1"/>
+          </a:fillRef>
+          <a:effectRef idx="0">
+            <a:schemeClr val="accent1"/>
+          </a:effectRef>
+          <a:fontRef idx="minor">
+            <a:schemeClr val="tx1"/>
+          </a:fontRef>
+        </p:style>
+      </p:cxnSp>
+      <p:cxnSp>
+        <p:nvCxnSpPr>
+          <p:cNvPr id="49" name="Connector: Elbow 48">
+            <a:extLst>
+              <a:ext uri="{FF2B5EF4-FFF2-40B4-BE49-F238E27FC236}">
+                <a16:creationId xmlns:a16="http://schemas.microsoft.com/office/drawing/2014/main" id="{F20D3D70-41CD-4C86-AE43-47DA2D611620}"/>
+              </a:ext>
+            </a:extLst>
+          </p:cNvPr>
+          <p:cNvCxnSpPr>
+            <a:cxnSpLocks/>
+          </p:cNvCxnSpPr>
+          <p:nvPr/>
+        </p:nvCxnSpPr>
+        <p:spPr>
+          <a:xfrm rot="10800000">
+            <a:off x="5302187" y="4651058"/>
+            <a:ext cx="1019044" cy="308610"/>
+          </a:xfrm>
+          <a:prstGeom prst="bentConnector2">
+            <a:avLst/>
+          </a:prstGeom>
+          <a:ln w="31750">
+            <a:solidFill>
+              <a:srgbClr val="FF00FF"/>
+            </a:solidFill>
+            <a:headEnd type="arrow" w="med" len="lg"/>
+            <a:tailEnd type="none" w="med" len="lg"/>
+          </a:ln>
+        </p:spPr>
+        <p:style>
+          <a:lnRef idx="1">
+            <a:schemeClr val="accent1"/>
+          </a:lnRef>
+          <a:fillRef idx="0">
+            <a:schemeClr val="accent1"/>
+          </a:fillRef>
+          <a:effectRef idx="0">
+            <a:schemeClr val="accent1"/>
+          </a:effectRef>
+          <a:fontRef idx="minor">
+            <a:schemeClr val="tx1"/>
+          </a:fontRef>
+        </p:style>
+      </p:cxnSp>
+      <p:cxnSp>
+        <p:nvCxnSpPr>
+          <p:cNvPr id="61" name="Straight Arrow Connector 60">
+            <a:extLst>
+              <a:ext uri="{FF2B5EF4-FFF2-40B4-BE49-F238E27FC236}">
+                <a16:creationId xmlns:a16="http://schemas.microsoft.com/office/drawing/2014/main" id="{F05F5022-277B-4E27-8ED3-791B7E58EFE0}"/>
+              </a:ext>
+            </a:extLst>
+          </p:cNvPr>
+          <p:cNvCxnSpPr>
+            <a:cxnSpLocks/>
+          </p:cNvCxnSpPr>
+          <p:nvPr/>
+        </p:nvCxnSpPr>
+        <p:spPr>
+          <a:xfrm flipV="1">
+            <a:off x="5145642" y="3785233"/>
+            <a:ext cx="0" cy="420053"/>
+          </a:xfrm>
+          <a:prstGeom prst="straightConnector1">
+            <a:avLst/>
+          </a:prstGeom>
+          <a:ln w="31750">
+            <a:solidFill>
+              <a:srgbClr val="7030A0"/>
+            </a:solidFill>
+            <a:headEnd type="arrow" w="med" len="lg"/>
+            <a:tailEnd type="none" w="med" len="lg"/>
+          </a:ln>
+          <a:effectLst/>
+        </p:spPr>
+        <p:style>
+          <a:lnRef idx="1">
+            <a:schemeClr val="accent1"/>
+          </a:lnRef>
+          <a:fillRef idx="0">
+            <a:schemeClr val="accent1"/>
+          </a:fillRef>
+          <a:effectRef idx="0">
+            <a:schemeClr val="accent1"/>
+          </a:effectRef>
+          <a:fontRef idx="minor">
+            <a:schemeClr val="tx1"/>
+          </a:fontRef>
+        </p:style>
+      </p:cxnSp>
+      <p:cxnSp>
+        <p:nvCxnSpPr>
+          <p:cNvPr id="62" name="Straight Arrow Connector 61">
+            <a:extLst>
+              <a:ext uri="{FF2B5EF4-FFF2-40B4-BE49-F238E27FC236}">
+                <a16:creationId xmlns:a16="http://schemas.microsoft.com/office/drawing/2014/main" id="{8D67C7E0-AB0C-4729-B182-99F88D2591CF}"/>
+              </a:ext>
+            </a:extLst>
+          </p:cNvPr>
+          <p:cNvCxnSpPr>
+            <a:cxnSpLocks/>
+          </p:cNvCxnSpPr>
+          <p:nvPr/>
+        </p:nvCxnSpPr>
+        <p:spPr>
+          <a:xfrm flipV="1">
+            <a:off x="5302186" y="3785232"/>
+            <a:ext cx="0" cy="420053"/>
+          </a:xfrm>
+          <a:prstGeom prst="straightConnector1">
+            <a:avLst/>
+          </a:prstGeom>
+          <a:ln w="31750">
+            <a:solidFill>
+              <a:srgbClr val="FF00FF"/>
+            </a:solidFill>
+            <a:headEnd type="arrow" w="med" len="lg"/>
+            <a:tailEnd type="none" w="med" len="lg"/>
+          </a:ln>
+          <a:effectLst/>
+        </p:spPr>
+        <p:style>
+          <a:lnRef idx="1">
+            <a:schemeClr val="accent1"/>
+          </a:lnRef>
+          <a:fillRef idx="0">
+            <a:schemeClr val="accent1"/>
+          </a:fillRef>
+          <a:effectRef idx="0">
+            <a:schemeClr val="accent1"/>
+          </a:effectRef>
+          <a:fontRef idx="minor">
+            <a:schemeClr val="tx1"/>
+          </a:fontRef>
+        </p:style>
+      </p:cxnSp>
+      <p:sp>
+        <p:nvSpPr>
+          <p:cNvPr id="10" name="Rectangle 9">
+            <a:extLst>
+              <a:ext uri="{FF2B5EF4-FFF2-40B4-BE49-F238E27FC236}">
+                <a16:creationId xmlns:a16="http://schemas.microsoft.com/office/drawing/2014/main" id="{7BAABE9E-BB40-4D57-88FE-AEE9E261B6C6}"/>
+              </a:ext>
+            </a:extLst>
+          </p:cNvPr>
+          <p:cNvSpPr/>
+          <p:nvPr/>
+        </p:nvSpPr>
+        <p:spPr>
+          <a:xfrm>
+            <a:off x="4571999" y="4187190"/>
+            <a:ext cx="1147288" cy="453390"/>
+          </a:xfrm>
+          <a:prstGeom prst="rect">
+            <a:avLst/>
+          </a:prstGeom>
+          <a:solidFill>
+            <a:schemeClr val="bg1"/>
+          </a:solidFill>
+          <a:ln w="25400">
+            <a:solidFill>
+              <a:schemeClr val="tx1"/>
+            </a:solidFill>
+          </a:ln>
+        </p:spPr>
+        <p:style>
+          <a:lnRef idx="2">
+            <a:schemeClr val="accent1">
+              <a:shade val="50000"/>
+            </a:schemeClr>
+          </a:lnRef>
+          <a:fillRef idx="1">
+            <a:schemeClr val="accent1"/>
+          </a:fillRef>
+          <a:effectRef idx="0">
+            <a:schemeClr val="accent1"/>
+          </a:effectRef>
+          <a:fontRef idx="minor">
+            <a:schemeClr val="lt1"/>
+          </a:fontRef>
+        </p:style>
+        <p:txBody>
+          <a:bodyPr rtlCol="0" anchor="ctr"/>
+          <a:lstStyle/>
+          <a:p>
+            <a:pPr algn="ctr"/>
+            <a:r>
+              <a:rPr lang="en-US" dirty="0">
+                <a:solidFill>
+                  <a:schemeClr val="tx1"/>
+                </a:solidFill>
+                <a:latin typeface="Consolas" panose="020B0609020204030204" pitchFamily="49" charset="0"/>
+              </a:rPr>
+              <a:t>Delete</a:t>
+            </a:r>
+          </a:p>
+        </p:txBody>
+      </p:sp>
+      <p:sp>
+        <p:nvSpPr>
+          <p:cNvPr id="7" name="Rectangle 6">
+            <a:extLst>
+              <a:ext uri="{FF2B5EF4-FFF2-40B4-BE49-F238E27FC236}">
+                <a16:creationId xmlns:a16="http://schemas.microsoft.com/office/drawing/2014/main" id="{8CCDEDC4-FD3B-483A-90ED-A8B95325271A}"/>
+              </a:ext>
+            </a:extLst>
+          </p:cNvPr>
+          <p:cNvSpPr/>
+          <p:nvPr/>
+        </p:nvSpPr>
+        <p:spPr>
+          <a:xfrm>
+            <a:off x="3431377" y="4187190"/>
+            <a:ext cx="1147288" cy="453390"/>
+          </a:xfrm>
+          <a:prstGeom prst="rect">
+            <a:avLst/>
+          </a:prstGeom>
+          <a:solidFill>
+            <a:schemeClr val="bg1"/>
+          </a:solidFill>
+          <a:ln w="25400">
+            <a:solidFill>
+              <a:schemeClr val="tx1"/>
+            </a:solidFill>
+          </a:ln>
+        </p:spPr>
+        <p:style>
+          <a:lnRef idx="2">
+            <a:schemeClr val="accent1">
+              <a:shade val="50000"/>
+            </a:schemeClr>
+          </a:lnRef>
+          <a:fillRef idx="1">
+            <a:schemeClr val="accent1"/>
+          </a:fillRef>
+          <a:effectRef idx="0">
+            <a:schemeClr val="accent1"/>
+          </a:effectRef>
+          <a:fontRef idx="minor">
+            <a:schemeClr val="lt1"/>
+          </a:fontRef>
+        </p:style>
+        <p:txBody>
+          <a:bodyPr rtlCol="0" anchor="ctr"/>
+          <a:lstStyle/>
+          <a:p>
+            <a:pPr algn="ctr"/>
+            <a:r>
+              <a:rPr lang="en-US" dirty="0">
+                <a:solidFill>
+                  <a:schemeClr val="tx1"/>
+                </a:solidFill>
+                <a:latin typeface="Consolas" panose="020B0609020204030204" pitchFamily="49" charset="0"/>
+              </a:rPr>
+              <a:t>Insert</a:t>
+            </a:r>
+          </a:p>
+        </p:txBody>
+      </p:sp>
+      <p:sp>
+        <p:nvSpPr>
+          <p:cNvPr id="6" name="Rectangle 5">
+            <a:extLst>
+              <a:ext uri="{FF2B5EF4-FFF2-40B4-BE49-F238E27FC236}">
+                <a16:creationId xmlns:a16="http://schemas.microsoft.com/office/drawing/2014/main" id="{64BE94E9-1686-43F5-86E0-158C7F086FB0}"/>
+              </a:ext>
+            </a:extLst>
+          </p:cNvPr>
+          <p:cNvSpPr/>
+          <p:nvPr/>
+        </p:nvSpPr>
+        <p:spPr>
+          <a:xfrm>
+            <a:off x="3771899" y="3331845"/>
+            <a:ext cx="1600200" cy="453390"/>
+          </a:xfrm>
+          <a:prstGeom prst="rect">
+            <a:avLst/>
+          </a:prstGeom>
+          <a:solidFill>
+            <a:schemeClr val="bg1"/>
+          </a:solidFill>
+          <a:ln w="25400">
+            <a:solidFill>
+              <a:schemeClr val="tx1"/>
+            </a:solidFill>
+          </a:ln>
+        </p:spPr>
+        <p:style>
+          <a:lnRef idx="2">
+            <a:schemeClr val="accent1">
+              <a:shade val="50000"/>
+            </a:schemeClr>
+          </a:lnRef>
+          <a:fillRef idx="1">
+            <a:schemeClr val="accent1"/>
+          </a:fillRef>
+          <a:effectRef idx="0">
+            <a:schemeClr val="accent1"/>
+          </a:effectRef>
+          <a:fontRef idx="minor">
+            <a:schemeClr val="lt1"/>
+          </a:fontRef>
+        </p:style>
+        <p:txBody>
+          <a:bodyPr rtlCol="0" anchor="ctr"/>
+          <a:lstStyle/>
+          <a:p>
+            <a:pPr algn="ctr"/>
+            <a:r>
+              <a:rPr lang="en-US" dirty="0">
+                <a:solidFill>
+                  <a:schemeClr val="tx1"/>
+                </a:solidFill>
+                <a:latin typeface="Consolas" panose="020B0609020204030204" pitchFamily="49" charset="0"/>
+              </a:rPr>
+              <a:t>std::mutex</a:t>
+            </a:r>
+          </a:p>
+        </p:txBody>
+      </p:sp>
+      <p:sp>
+        <p:nvSpPr>
+          <p:cNvPr id="64" name="Rectangle 63">
+            <a:extLst>
+              <a:ext uri="{FF2B5EF4-FFF2-40B4-BE49-F238E27FC236}">
+                <a16:creationId xmlns:a16="http://schemas.microsoft.com/office/drawing/2014/main" id="{956C0B84-D00F-4529-9CFF-656042A5ED87}"/>
+              </a:ext>
+            </a:extLst>
+          </p:cNvPr>
+          <p:cNvSpPr/>
+          <p:nvPr/>
+        </p:nvSpPr>
+        <p:spPr>
+          <a:xfrm>
+            <a:off x="1347788" y="4566759"/>
+            <a:ext cx="1562100" cy="1133954"/>
+          </a:xfrm>
+          <a:prstGeom prst="rect">
+            <a:avLst/>
+          </a:prstGeom>
+          <a:solidFill>
+            <a:schemeClr val="bg1"/>
+          </a:solidFill>
+          <a:ln>
+            <a:noFill/>
+          </a:ln>
+        </p:spPr>
+        <p:style>
+          <a:lnRef idx="2">
+            <a:schemeClr val="accent1">
+              <a:shade val="50000"/>
+            </a:schemeClr>
+          </a:lnRef>
+          <a:fillRef idx="1">
+            <a:schemeClr val="accent1"/>
+          </a:fillRef>
+          <a:effectRef idx="0">
+            <a:schemeClr val="accent1"/>
+          </a:effectRef>
+          <a:fontRef idx="minor">
+            <a:schemeClr val="lt1"/>
+          </a:fontRef>
+        </p:style>
+        <p:txBody>
+          <a:bodyPr rtlCol="0" anchor="ctr"/>
+          <a:lstStyle/>
+          <a:p>
+            <a:pPr algn="ctr"/>
+            <a:endParaRPr lang="en-US"/>
+          </a:p>
+        </p:txBody>
+      </p:sp>
+    </p:spTree>
+    <p:extLst>
+      <p:ext uri="{BB962C8B-B14F-4D97-AF65-F5344CB8AC3E}">
+        <p14:creationId xmlns:p14="http://schemas.microsoft.com/office/powerpoint/2010/main" val="844113290"/>
+      </p:ext>
+    </p:extLst>
+  </p:cSld>
+  <p:clrMapOvr>
+    <a:masterClrMapping/>
+  </p:clrMapOvr>
+</p:sld>
+</file>
+
 <file path=ppt/theme/theme1.xml><?xml version="1.0" encoding="utf-8"?>
 <a:theme xmlns:a="http://schemas.openxmlformats.org/drawingml/2006/main" name="Office Theme">
   <a:themeElements>
